--- a/BottomUpVulnerabilityMethod.pptx
+++ b/BottomUpVulnerabilityMethod.pptx
@@ -104,6 +104,11 @@
       </a:defRPr>
     </a:lvl9pPr>
   </p:defaultTextStyle>
+  <p:extLst>
+    <p:ext uri="{EFAFB233-063F-42B5-8137-9DF3F51BA10A}">
+      <p15:sldGuideLst xmlns:p15="http://schemas.microsoft.com/office/powerpoint/2012/main"/>
+    </p:ext>
+  </p:extLst>
 </p:presentation>
 </file>
 
@@ -254,7 +259,7 @@
           <a:p>
             <a:fld id="{AE4EA7B7-E354-4EBD-98AA-7512A5EC96FE}" type="datetimeFigureOut">
               <a:rPr lang="en-US" smtClean="0"/>
-              <a:t>2/21/2020</a:t>
+              <a:t>2/24/2020</a:t>
             </a:fld>
             <a:endParaRPr lang="en-US"/>
           </a:p>
@@ -452,7 +457,7 @@
           <a:p>
             <a:fld id="{AE4EA7B7-E354-4EBD-98AA-7512A5EC96FE}" type="datetimeFigureOut">
               <a:rPr lang="en-US" smtClean="0"/>
-              <a:t>2/21/2020</a:t>
+              <a:t>2/24/2020</a:t>
             </a:fld>
             <a:endParaRPr lang="en-US"/>
           </a:p>
@@ -660,7 +665,7 @@
           <a:p>
             <a:fld id="{AE4EA7B7-E354-4EBD-98AA-7512A5EC96FE}" type="datetimeFigureOut">
               <a:rPr lang="en-US" smtClean="0"/>
-              <a:t>2/21/2020</a:t>
+              <a:t>2/24/2020</a:t>
             </a:fld>
             <a:endParaRPr lang="en-US"/>
           </a:p>
@@ -858,7 +863,7 @@
           <a:p>
             <a:fld id="{AE4EA7B7-E354-4EBD-98AA-7512A5EC96FE}" type="datetimeFigureOut">
               <a:rPr lang="en-US" smtClean="0"/>
-              <a:t>2/21/2020</a:t>
+              <a:t>2/24/2020</a:t>
             </a:fld>
             <a:endParaRPr lang="en-US"/>
           </a:p>
@@ -1133,7 +1138,7 @@
           <a:p>
             <a:fld id="{AE4EA7B7-E354-4EBD-98AA-7512A5EC96FE}" type="datetimeFigureOut">
               <a:rPr lang="en-US" smtClean="0"/>
-              <a:t>2/21/2020</a:t>
+              <a:t>2/24/2020</a:t>
             </a:fld>
             <a:endParaRPr lang="en-US"/>
           </a:p>
@@ -1398,7 +1403,7 @@
           <a:p>
             <a:fld id="{AE4EA7B7-E354-4EBD-98AA-7512A5EC96FE}" type="datetimeFigureOut">
               <a:rPr lang="en-US" smtClean="0"/>
-              <a:t>2/21/2020</a:t>
+              <a:t>2/24/2020</a:t>
             </a:fld>
             <a:endParaRPr lang="en-US"/>
           </a:p>
@@ -1810,7 +1815,7 @@
           <a:p>
             <a:fld id="{AE4EA7B7-E354-4EBD-98AA-7512A5EC96FE}" type="datetimeFigureOut">
               <a:rPr lang="en-US" smtClean="0"/>
-              <a:t>2/21/2020</a:t>
+              <a:t>2/24/2020</a:t>
             </a:fld>
             <a:endParaRPr lang="en-US"/>
           </a:p>
@@ -1951,7 +1956,7 @@
           <a:p>
             <a:fld id="{AE4EA7B7-E354-4EBD-98AA-7512A5EC96FE}" type="datetimeFigureOut">
               <a:rPr lang="en-US" smtClean="0"/>
-              <a:t>2/21/2020</a:t>
+              <a:t>2/24/2020</a:t>
             </a:fld>
             <a:endParaRPr lang="en-US"/>
           </a:p>
@@ -2064,7 +2069,7 @@
           <a:p>
             <a:fld id="{AE4EA7B7-E354-4EBD-98AA-7512A5EC96FE}" type="datetimeFigureOut">
               <a:rPr lang="en-US" smtClean="0"/>
-              <a:t>2/21/2020</a:t>
+              <a:t>2/24/2020</a:t>
             </a:fld>
             <a:endParaRPr lang="en-US"/>
           </a:p>
@@ -2375,7 +2380,7 @@
           <a:p>
             <a:fld id="{AE4EA7B7-E354-4EBD-98AA-7512A5EC96FE}" type="datetimeFigureOut">
               <a:rPr lang="en-US" smtClean="0"/>
-              <a:t>2/21/2020</a:t>
+              <a:t>2/24/2020</a:t>
             </a:fld>
             <a:endParaRPr lang="en-US"/>
           </a:p>
@@ -2663,7 +2668,7 @@
           <a:p>
             <a:fld id="{AE4EA7B7-E354-4EBD-98AA-7512A5EC96FE}" type="datetimeFigureOut">
               <a:rPr lang="en-US" smtClean="0"/>
-              <a:t>2/21/2020</a:t>
+              <a:t>2/24/2020</a:t>
             </a:fld>
             <a:endParaRPr lang="en-US"/>
           </a:p>
@@ -2904,7 +2909,7 @@
           <a:p>
             <a:fld id="{AE4EA7B7-E354-4EBD-98AA-7512A5EC96FE}" type="datetimeFigureOut">
               <a:rPr lang="en-US" smtClean="0"/>
-              <a:t>2/21/2020</a:t>
+              <a:t>2/24/2020</a:t>
             </a:fld>
             <a:endParaRPr lang="en-US"/>
           </a:p>
@@ -3335,8 +3340,8 @@
         </p:nvSpPr>
         <p:spPr>
           <a:xfrm>
-            <a:off x="2673626" y="374494"/>
-            <a:ext cx="7106478" cy="523220"/>
+            <a:off x="2902627" y="374494"/>
+            <a:ext cx="9190895" cy="523220"/>
           </a:xfrm>
           <a:prstGeom prst="rect">
             <a:avLst/>
@@ -3351,7 +3356,7 @@
           <a:p>
             <a:pPr algn="ctr"/>
             <a:r>
-              <a:rPr lang="en-US" sz="2800" dirty="0">
+              <a:rPr lang="en-US" sz="2800" b="1" dirty="0">
                 <a:solidFill>
                   <a:srgbClr val="3333FF"/>
                 </a:solidFill>
@@ -3531,7 +3536,7 @@
         <p:spPr>
           <a:xfrm>
             <a:off x="168965" y="4751021"/>
-            <a:ext cx="3836506" cy="707886"/>
+            <a:ext cx="4265012" cy="707886"/>
           </a:xfrm>
           <a:prstGeom prst="rect">
             <a:avLst/>
@@ -3552,7 +3557,25 @@
                 </a:solidFill>
                 <a:latin typeface="Comic Sans MS" panose="030F0702030302020204" pitchFamily="66" charset="0"/>
               </a:rPr>
-              <a:t>4. Define satisfactory criteria (Fraction of years…)</a:t>
+              <a:t>4. Define </a:t>
+            </a:r>
+            <a:r>
+              <a:rPr lang="en-US" sz="2000" dirty="0" err="1">
+                <a:solidFill>
+                  <a:srgbClr val="260F99"/>
+                </a:solidFill>
+                <a:latin typeface="Comic Sans MS" panose="030F0702030302020204" pitchFamily="66" charset="0"/>
+              </a:rPr>
+              <a:t>vulnernability</a:t>
+            </a:r>
+            <a:r>
+              <a:rPr lang="en-US" sz="2000" dirty="0">
+                <a:solidFill>
+                  <a:srgbClr val="260F99"/>
+                </a:solidFill>
+                <a:latin typeface="Comic Sans MS" panose="030F0702030302020204" pitchFamily="66" charset="0"/>
+              </a:rPr>
+              <a:t> criteria (Fraction of years …)</a:t>
             </a:r>
           </a:p>
         </p:txBody>
@@ -3571,8 +3594,8 @@
         </p:nvSpPr>
         <p:spPr>
           <a:xfrm>
-            <a:off x="168964" y="5806607"/>
-            <a:ext cx="3349488" cy="400110"/>
+            <a:off x="168964" y="5754851"/>
+            <a:ext cx="3349488" cy="861774"/>
           </a:xfrm>
           <a:prstGeom prst="rect">
             <a:avLst/>
@@ -3585,6 +3608,22 @@
           </a:bodyPr>
           <a:lstStyle/>
           <a:p>
+            <a:pPr marL="288925" indent="-288925">
+              <a:spcAft>
+                <a:spcPts val="1200"/>
+              </a:spcAft>
+            </a:pPr>
+            <a:r>
+              <a:rPr lang="en-US" sz="2000" dirty="0">
+                <a:solidFill>
+                  <a:srgbClr val="260F99"/>
+                </a:solidFill>
+                <a:latin typeface="Comic Sans MS" panose="030F0702030302020204" pitchFamily="66" charset="0"/>
+              </a:rPr>
+              <a:t>5. Visualize vulnerabilities</a:t>
+            </a:r>
+          </a:p>
+          <a:p>
             <a:pPr marL="288925" indent="-288925"/>
             <a:r>
               <a:rPr lang="en-US" sz="2000" dirty="0">
@@ -3593,7 +3632,7 @@
                 </a:solidFill>
                 <a:latin typeface="Comic Sans MS" panose="030F0702030302020204" pitchFamily="66" charset="0"/>
               </a:rPr>
-              <a:t>5. Visualize vulnerabilities</a:t>
+              <a:t>6. Discuss</a:t>
             </a:r>
           </a:p>
         </p:txBody>
@@ -3612,8 +3651,8 @@
         </p:nvSpPr>
         <p:spPr>
           <a:xfrm>
-            <a:off x="4770782" y="5744548"/>
-            <a:ext cx="5257800" cy="924339"/>
+            <a:off x="4770782" y="5744549"/>
+            <a:ext cx="5257800" cy="738958"/>
           </a:xfrm>
           <a:prstGeom prst="rect">
             <a:avLst/>
@@ -3697,7 +3736,7 @@
         </p:blipFill>
         <p:spPr>
           <a:xfrm>
-            <a:off x="6096000" y="5945107"/>
+            <a:off x="5932098" y="5852418"/>
             <a:ext cx="740521" cy="523220"/>
           </a:xfrm>
           <a:prstGeom prst="rect">
@@ -4266,7 +4305,7 @@
                 </a:solidFill>
                 <a:latin typeface="Comic Sans MS" panose="030F0702030302020204" pitchFamily="66" charset="0"/>
               </a:rPr>
-              <a:t>(355 - 560 </a:t>
+              <a:t>(380 - 850 </a:t>
             </a:r>
             <a:r>
               <a:rPr lang="en-US" dirty="0" err="1">
@@ -4467,7 +4506,7 @@
             <a:avLst/>
           </a:prstGeom>
           <a:solidFill>
-            <a:schemeClr val="accent2">
+            <a:schemeClr val="accent4">
               <a:lumMod val="20000"/>
               <a:lumOff val="80000"/>
             </a:schemeClr>

--- a/BottomUpVulnerabilityMethod.pptx
+++ b/BottomUpVulnerabilityMethod.pptx
@@ -3997,7 +3997,7 @@
         </p:nvSpPr>
         <p:spPr>
           <a:xfrm>
-            <a:off x="2902627" y="1215767"/>
+            <a:off x="2842549" y="1215767"/>
             <a:ext cx="2258461" cy="2333972"/>
           </a:xfrm>
           <a:prstGeom prst="rect">
@@ -4164,8 +4164,8 @@
         </p:nvSpPr>
         <p:spPr>
           <a:xfrm>
-            <a:off x="5222597" y="1215767"/>
-            <a:ext cx="2357826" cy="2333972"/>
+            <a:off x="5177274" y="1215767"/>
+            <a:ext cx="2403149" cy="2333972"/>
           </a:xfrm>
           <a:prstGeom prst="rect">
             <a:avLst/>
@@ -4206,7 +4206,7 @@
             </a:endParaRPr>
           </a:p>
           <a:p>
-            <a:pPr marL="457200" indent="-228600">
+            <a:pPr marL="284163" indent="-171450">
               <a:buFont typeface="Arial" panose="020B0604020202020204" pitchFamily="34" charset="0"/>
               <a:buChar char="•"/>
             </a:pPr>
@@ -4219,11 +4219,11 @@
                 </a:solidFill>
                 <a:latin typeface="Comic Sans MS" panose="030F0702030302020204" pitchFamily="66" charset="0"/>
               </a:rPr>
-              <a:t>Per capita use</a:t>
-            </a:r>
-          </a:p>
-          <a:p>
-            <a:pPr marL="457200" indent="-228600">
+              <a:t>Per capita use (6)</a:t>
+            </a:r>
+          </a:p>
+          <a:p>
+            <a:pPr marL="284163" indent="-171450">
               <a:buFont typeface="Arial" panose="020B0604020202020204" pitchFamily="34" charset="0"/>
               <a:buChar char="•"/>
             </a:pPr>
@@ -4236,11 +4236,11 @@
                 </a:solidFill>
                 <a:latin typeface="Comic Sans MS" panose="030F0702030302020204" pitchFamily="66" charset="0"/>
               </a:rPr>
-              <a:t>Population,</a:t>
-            </a:r>
-          </a:p>
-          <a:p>
-            <a:pPr marL="457200" indent="-228600">
+              <a:t>Population (3)</a:t>
+            </a:r>
+          </a:p>
+          <a:p>
+            <a:pPr marL="284163" indent="-171450">
               <a:buFont typeface="Arial" panose="020B0604020202020204" pitchFamily="34" charset="0"/>
               <a:buChar char="•"/>
             </a:pPr>
@@ -4253,11 +4253,11 @@
                 </a:solidFill>
                 <a:latin typeface="Comic Sans MS" panose="030F0702030302020204" pitchFamily="66" charset="0"/>
               </a:rPr>
-              <a:t>Ag. Conversion</a:t>
-            </a:r>
-          </a:p>
-          <a:p>
-            <a:pPr marL="457200" indent="-228600">
+              <a:t>Decreased Ag. (3)</a:t>
+            </a:r>
+          </a:p>
+          <a:p>
+            <a:pPr marL="284163" indent="-171450">
               <a:buFont typeface="Arial" panose="020B0604020202020204" pitchFamily="34" charset="0"/>
               <a:buChar char="•"/>
             </a:pPr>
@@ -4270,7 +4270,7 @@
                 </a:solidFill>
                 <a:latin typeface="Comic Sans MS" panose="030F0702030302020204" pitchFamily="66" charset="0"/>
               </a:rPr>
-              <a:t>Potential ET</a:t>
+              <a:t>Potential ET (7)</a:t>
             </a:r>
           </a:p>
           <a:p>
@@ -4293,7 +4293,7 @@
                 </a:solidFill>
                 <a:latin typeface="Comic Sans MS" panose="030F0702030302020204" pitchFamily="66" charset="0"/>
               </a:rPr>
-              <a:t>6 values</a:t>
+              <a:t>6 scenarios</a:t>
             </a:r>
           </a:p>
           <a:p>
@@ -4468,7 +4468,7 @@
                 </a:solidFill>
                 <a:latin typeface="Comic Sans MS" panose="030F0702030302020204" pitchFamily="66" charset="0"/>
               </a:rPr>
-              <a:t>3 values</a:t>
+              <a:t>3 scenarios</a:t>
             </a:r>
           </a:p>
           <a:p>
@@ -4609,14 +4609,20 @@
           <a:p>
             <a:pPr algn="ctr"/>
             <a:r>
-              <a:rPr lang="en-US" dirty="0">
+              <a:rPr lang="en-US">
                 <a:solidFill>
                   <a:srgbClr val="542708"/>
                 </a:solidFill>
                 <a:latin typeface="Comic Sans MS" panose="030F0702030302020204" pitchFamily="66" charset="0"/>
               </a:rPr>
-              <a:t>3 values</a:t>
-            </a:r>
+              <a:t>3 scenarios</a:t>
+            </a:r>
+            <a:endParaRPr lang="en-US" dirty="0">
+              <a:solidFill>
+                <a:srgbClr val="542708"/>
+              </a:solidFill>
+              <a:latin typeface="Comic Sans MS" panose="030F0702030302020204" pitchFamily="66" charset="0"/>
+            </a:endParaRPr>
           </a:p>
           <a:p>
             <a:pPr algn="ctr"/>

--- a/BottomUpVulnerabilityMethod.pptx
+++ b/BottomUpVulnerabilityMethod.pptx
@@ -104,6 +104,11 @@
       </a:defRPr>
     </a:lvl9pPr>
   </p:defaultTextStyle>
+  <p:extLst>
+    <p:ext uri="{EFAFB233-063F-42B5-8137-9DF3F51BA10A}">
+      <p15:sldGuideLst xmlns:p15="http://schemas.microsoft.com/office/powerpoint/2012/main"/>
+    </p:ext>
+  </p:extLst>
 </p:presentation>
 </file>
 
@@ -254,7 +259,7 @@
           <a:p>
             <a:fld id="{AE4EA7B7-E354-4EBD-98AA-7512A5EC96FE}" type="datetimeFigureOut">
               <a:rPr lang="en-US" smtClean="0"/>
-              <a:t>2/21/2020</a:t>
+              <a:t>2/25/2020</a:t>
             </a:fld>
             <a:endParaRPr lang="en-US"/>
           </a:p>
@@ -452,7 +457,7 @@
           <a:p>
             <a:fld id="{AE4EA7B7-E354-4EBD-98AA-7512A5EC96FE}" type="datetimeFigureOut">
               <a:rPr lang="en-US" smtClean="0"/>
-              <a:t>2/21/2020</a:t>
+              <a:t>2/25/2020</a:t>
             </a:fld>
             <a:endParaRPr lang="en-US"/>
           </a:p>
@@ -660,7 +665,7 @@
           <a:p>
             <a:fld id="{AE4EA7B7-E354-4EBD-98AA-7512A5EC96FE}" type="datetimeFigureOut">
               <a:rPr lang="en-US" smtClean="0"/>
-              <a:t>2/21/2020</a:t>
+              <a:t>2/25/2020</a:t>
             </a:fld>
             <a:endParaRPr lang="en-US"/>
           </a:p>
@@ -858,7 +863,7 @@
           <a:p>
             <a:fld id="{AE4EA7B7-E354-4EBD-98AA-7512A5EC96FE}" type="datetimeFigureOut">
               <a:rPr lang="en-US" smtClean="0"/>
-              <a:t>2/21/2020</a:t>
+              <a:t>2/25/2020</a:t>
             </a:fld>
             <a:endParaRPr lang="en-US"/>
           </a:p>
@@ -1133,7 +1138,7 @@
           <a:p>
             <a:fld id="{AE4EA7B7-E354-4EBD-98AA-7512A5EC96FE}" type="datetimeFigureOut">
               <a:rPr lang="en-US" smtClean="0"/>
-              <a:t>2/21/2020</a:t>
+              <a:t>2/25/2020</a:t>
             </a:fld>
             <a:endParaRPr lang="en-US"/>
           </a:p>
@@ -1398,7 +1403,7 @@
           <a:p>
             <a:fld id="{AE4EA7B7-E354-4EBD-98AA-7512A5EC96FE}" type="datetimeFigureOut">
               <a:rPr lang="en-US" smtClean="0"/>
-              <a:t>2/21/2020</a:t>
+              <a:t>2/25/2020</a:t>
             </a:fld>
             <a:endParaRPr lang="en-US"/>
           </a:p>
@@ -1810,7 +1815,7 @@
           <a:p>
             <a:fld id="{AE4EA7B7-E354-4EBD-98AA-7512A5EC96FE}" type="datetimeFigureOut">
               <a:rPr lang="en-US" smtClean="0"/>
-              <a:t>2/21/2020</a:t>
+              <a:t>2/25/2020</a:t>
             </a:fld>
             <a:endParaRPr lang="en-US"/>
           </a:p>
@@ -1951,7 +1956,7 @@
           <a:p>
             <a:fld id="{AE4EA7B7-E354-4EBD-98AA-7512A5EC96FE}" type="datetimeFigureOut">
               <a:rPr lang="en-US" smtClean="0"/>
-              <a:t>2/21/2020</a:t>
+              <a:t>2/25/2020</a:t>
             </a:fld>
             <a:endParaRPr lang="en-US"/>
           </a:p>
@@ -2064,7 +2069,7 @@
           <a:p>
             <a:fld id="{AE4EA7B7-E354-4EBD-98AA-7512A5EC96FE}" type="datetimeFigureOut">
               <a:rPr lang="en-US" smtClean="0"/>
-              <a:t>2/21/2020</a:t>
+              <a:t>2/25/2020</a:t>
             </a:fld>
             <a:endParaRPr lang="en-US"/>
           </a:p>
@@ -2375,7 +2380,7 @@
           <a:p>
             <a:fld id="{AE4EA7B7-E354-4EBD-98AA-7512A5EC96FE}" type="datetimeFigureOut">
               <a:rPr lang="en-US" smtClean="0"/>
-              <a:t>2/21/2020</a:t>
+              <a:t>2/25/2020</a:t>
             </a:fld>
             <a:endParaRPr lang="en-US"/>
           </a:p>
@@ -2663,7 +2668,7 @@
           <a:p>
             <a:fld id="{AE4EA7B7-E354-4EBD-98AA-7512A5EC96FE}" type="datetimeFigureOut">
               <a:rPr lang="en-US" smtClean="0"/>
-              <a:t>2/21/2020</a:t>
+              <a:t>2/25/2020</a:t>
             </a:fld>
             <a:endParaRPr lang="en-US"/>
           </a:p>
@@ -2904,7 +2909,7 @@
           <a:p>
             <a:fld id="{AE4EA7B7-E354-4EBD-98AA-7512A5EC96FE}" type="datetimeFigureOut">
               <a:rPr lang="en-US" smtClean="0"/>
-              <a:t>2/21/2020</a:t>
+              <a:t>2/25/2020</a:t>
             </a:fld>
             <a:endParaRPr lang="en-US"/>
           </a:p>

--- a/BottomUpVulnerabilityMethod.pptx
+++ b/BottomUpVulnerabilityMethod.pptx
@@ -259,7 +259,7 @@
           <a:p>
             <a:fld id="{AE4EA7B7-E354-4EBD-98AA-7512A5EC96FE}" type="datetimeFigureOut">
               <a:rPr lang="en-US" smtClean="0"/>
-              <a:t>2/24/2020</a:t>
+              <a:t>2/25/2020</a:t>
             </a:fld>
             <a:endParaRPr lang="en-US"/>
           </a:p>
@@ -457,7 +457,7 @@
           <a:p>
             <a:fld id="{AE4EA7B7-E354-4EBD-98AA-7512A5EC96FE}" type="datetimeFigureOut">
               <a:rPr lang="en-US" smtClean="0"/>
-              <a:t>2/24/2020</a:t>
+              <a:t>2/25/2020</a:t>
             </a:fld>
             <a:endParaRPr lang="en-US"/>
           </a:p>
@@ -665,7 +665,7 @@
           <a:p>
             <a:fld id="{AE4EA7B7-E354-4EBD-98AA-7512A5EC96FE}" type="datetimeFigureOut">
               <a:rPr lang="en-US" smtClean="0"/>
-              <a:t>2/24/2020</a:t>
+              <a:t>2/25/2020</a:t>
             </a:fld>
             <a:endParaRPr lang="en-US"/>
           </a:p>
@@ -863,7 +863,7 @@
           <a:p>
             <a:fld id="{AE4EA7B7-E354-4EBD-98AA-7512A5EC96FE}" type="datetimeFigureOut">
               <a:rPr lang="en-US" smtClean="0"/>
-              <a:t>2/24/2020</a:t>
+              <a:t>2/25/2020</a:t>
             </a:fld>
             <a:endParaRPr lang="en-US"/>
           </a:p>
@@ -1138,7 +1138,7 @@
           <a:p>
             <a:fld id="{AE4EA7B7-E354-4EBD-98AA-7512A5EC96FE}" type="datetimeFigureOut">
               <a:rPr lang="en-US" smtClean="0"/>
-              <a:t>2/24/2020</a:t>
+              <a:t>2/25/2020</a:t>
             </a:fld>
             <a:endParaRPr lang="en-US"/>
           </a:p>
@@ -1403,7 +1403,7 @@
           <a:p>
             <a:fld id="{AE4EA7B7-E354-4EBD-98AA-7512A5EC96FE}" type="datetimeFigureOut">
               <a:rPr lang="en-US" smtClean="0"/>
-              <a:t>2/24/2020</a:t>
+              <a:t>2/25/2020</a:t>
             </a:fld>
             <a:endParaRPr lang="en-US"/>
           </a:p>
@@ -1815,7 +1815,7 @@
           <a:p>
             <a:fld id="{AE4EA7B7-E354-4EBD-98AA-7512A5EC96FE}" type="datetimeFigureOut">
               <a:rPr lang="en-US" smtClean="0"/>
-              <a:t>2/24/2020</a:t>
+              <a:t>2/25/2020</a:t>
             </a:fld>
             <a:endParaRPr lang="en-US"/>
           </a:p>
@@ -1956,7 +1956,7 @@
           <a:p>
             <a:fld id="{AE4EA7B7-E354-4EBD-98AA-7512A5EC96FE}" type="datetimeFigureOut">
               <a:rPr lang="en-US" smtClean="0"/>
-              <a:t>2/24/2020</a:t>
+              <a:t>2/25/2020</a:t>
             </a:fld>
             <a:endParaRPr lang="en-US"/>
           </a:p>
@@ -2069,7 +2069,7 @@
           <a:p>
             <a:fld id="{AE4EA7B7-E354-4EBD-98AA-7512A5EC96FE}" type="datetimeFigureOut">
               <a:rPr lang="en-US" smtClean="0"/>
-              <a:t>2/24/2020</a:t>
+              <a:t>2/25/2020</a:t>
             </a:fld>
             <a:endParaRPr lang="en-US"/>
           </a:p>
@@ -2380,7 +2380,7 @@
           <a:p>
             <a:fld id="{AE4EA7B7-E354-4EBD-98AA-7512A5EC96FE}" type="datetimeFigureOut">
               <a:rPr lang="en-US" smtClean="0"/>
-              <a:t>2/24/2020</a:t>
+              <a:t>2/25/2020</a:t>
             </a:fld>
             <a:endParaRPr lang="en-US"/>
           </a:p>
@@ -2668,7 +2668,7 @@
           <a:p>
             <a:fld id="{AE4EA7B7-E354-4EBD-98AA-7512A5EC96FE}" type="datetimeFigureOut">
               <a:rPr lang="en-US" smtClean="0"/>
-              <a:t>2/24/2020</a:t>
+              <a:t>2/25/2020</a:t>
             </a:fld>
             <a:endParaRPr lang="en-US"/>
           </a:p>
@@ -2909,7 +2909,7 @@
           <a:p>
             <a:fld id="{AE4EA7B7-E354-4EBD-98AA-7512A5EC96FE}" type="datetimeFigureOut">
               <a:rPr lang="en-US" smtClean="0"/>
-              <a:t>2/24/2020</a:t>
+              <a:t>2/25/2020</a:t>
             </a:fld>
             <a:endParaRPr lang="en-US"/>
           </a:p>
@@ -3557,25 +3557,7 @@
                 </a:solidFill>
                 <a:latin typeface="Comic Sans MS" panose="030F0702030302020204" pitchFamily="66" charset="0"/>
               </a:rPr>
-              <a:t>4. Define </a:t>
-            </a:r>
-            <a:r>
-              <a:rPr lang="en-US" sz="2000" dirty="0" err="1">
-                <a:solidFill>
-                  <a:srgbClr val="260F99"/>
-                </a:solidFill>
-                <a:latin typeface="Comic Sans MS" panose="030F0702030302020204" pitchFamily="66" charset="0"/>
-              </a:rPr>
-              <a:t>vulnernability</a:t>
-            </a:r>
-            <a:r>
-              <a:rPr lang="en-US" sz="2000" dirty="0">
-                <a:solidFill>
-                  <a:srgbClr val="260F99"/>
-                </a:solidFill>
-                <a:latin typeface="Comic Sans MS" panose="030F0702030302020204" pitchFamily="66" charset="0"/>
-              </a:rPr>
-              <a:t> criteria (Fraction of years …)</a:t>
+              <a:t>4. Define vulnerability criteria (Fraction of years …)</a:t>
             </a:r>
           </a:p>
         </p:txBody>
